--- a/Proyecto I XMPP.pptx
+++ b/Proyecto I XMPP.pptx
@@ -11,6 +11,9 @@
     <p:sldId id="256" r:id="rId6"/>
     <p:sldId id="257" r:id="rId7"/>
     <p:sldId id="258" r:id="rId8"/>
+    <p:sldId id="259" r:id="rId9"/>
+    <p:sldId id="260" r:id="rId10"/>
+    <p:sldId id="261" r:id="rId11"/>
   </p:sldIdLst>
   <p:sldSz cy="5143500" cx="9144000"/>
   <p:notesSz cx="6858000" cy="9144000"/>
@@ -905,7 +908,7 @@
       </p:grpSpPr>
       <p:sp>
         <p:nvSpPr>
-          <p:cNvPr id="64" name="Google Shape;64;gb8642e21ee_0_52:notes"/>
+          <p:cNvPr id="64" name="Google Shape;64;ge6e55a3e2b_1_5:notes"/>
           <p:cNvSpPr/>
           <p:nvPr>
             <p:ph idx="2" type="sldImg"/>
@@ -940,7 +943,304 @@
       </p:sp>
       <p:sp>
         <p:nvSpPr>
-          <p:cNvPr id="65" name="Google Shape;65;gb8642e21ee_0_52:notes"/>
+          <p:cNvPr id="65" name="Google Shape;65;ge6e55a3e2b_1_5:notes"/>
+          <p:cNvSpPr txBox="1"/>
+          <p:nvPr>
+            <p:ph idx="1" type="body"/>
+          </p:nvPr>
+        </p:nvSpPr>
+        <p:spPr>
+          <a:xfrm>
+            <a:off x="685800" y="4343400"/>
+            <a:ext cx="5486400" cy="4114800"/>
+          </a:xfrm>
+          <a:prstGeom prst="rect">
+            <a:avLst/>
+          </a:prstGeom>
+        </p:spPr>
+        <p:txBody>
+          <a:bodyPr anchorCtr="0" anchor="t" bIns="91425" lIns="91425" spcFirstLastPara="1" rIns="91425" wrap="square" tIns="91425">
+            <a:noAutofit/>
+          </a:bodyPr>
+          <a:lstStyle/>
+          <a:p>
+            <a:pPr indent="0" lvl="0" marL="0" rtl="0" algn="l">
+              <a:spcBef>
+                <a:spcPts val="0"/>
+              </a:spcBef>
+              <a:spcAft>
+                <a:spcPts val="0"/>
+              </a:spcAft>
+              <a:buNone/>
+            </a:pPr>
+            <a:r>
+              <a:t/>
+            </a:r>
+            <a:endParaRPr/>
+          </a:p>
+        </p:txBody>
+      </p:sp>
+    </p:spTree>
+  </p:cSld>
+  <p:clrMapOvr>
+    <a:masterClrMapping/>
+  </p:clrMapOvr>
+</p:notes>
+</file>
+
+<file path=ppt/notesSlides/notesSlide4.xml><?xml version="1.0" encoding="utf-8"?>
+<p:notes xmlns:a="http://schemas.openxmlformats.org/drawingml/2006/main" xmlns:r="http://schemas.openxmlformats.org/officeDocument/2006/relationships" xmlns:mc="http://schemas.openxmlformats.org/markup-compatibility/2006" xmlns:mv="urn:schemas-microsoft-com:mac:vml" xmlns:p="http://schemas.openxmlformats.org/presentationml/2006/main" xmlns:c="http://schemas.openxmlformats.org/drawingml/2006/chart" xmlns:dgm="http://schemas.openxmlformats.org/drawingml/2006/diagram" xmlns:o="urn:schemas-microsoft-com:office:office" xmlns:v="urn:schemas-microsoft-com:vml" xmlns:pvml="urn:schemas-microsoft-com:office:powerpoint" xmlns:com="http://schemas.openxmlformats.org/drawingml/2006/compatibility" xmlns:p14="http://schemas.microsoft.com/office/powerpoint/2010/main" xmlns:p15="http://schemas.microsoft.com/office/powerpoint/2012/main" xmlns:ahyp="http://schemas.microsoft.com/office/drawing/2018/hyperlinkcolor" showMasterPhAnim="0" showMasterSp="0">
+  <p:cSld>
+    <p:spTree>
+      <p:nvGrpSpPr>
+        <p:cNvPr id="75" name="Shape 75"/>
+        <p:cNvGrpSpPr/>
+        <p:nvPr/>
+      </p:nvGrpSpPr>
+      <p:grpSpPr>
+        <a:xfrm>
+          <a:off x="0" y="0"/>
+          <a:ext cx="0" cy="0"/>
+          <a:chOff x="0" y="0"/>
+          <a:chExt cx="0" cy="0"/>
+        </a:xfrm>
+      </p:grpSpPr>
+      <p:sp>
+        <p:nvSpPr>
+          <p:cNvPr id="76" name="Google Shape;76;ge6e55a3e2b_0_0:notes"/>
+          <p:cNvSpPr/>
+          <p:nvPr>
+            <p:ph idx="2" type="sldImg"/>
+          </p:nvPr>
+        </p:nvSpPr>
+        <p:spPr>
+          <a:xfrm>
+            <a:off x="381300" y="685800"/>
+            <a:ext cx="6096000" cy="3429000"/>
+          </a:xfrm>
+          <a:custGeom>
+            <a:rect b="b" l="l" r="r" t="t"/>
+            <a:pathLst>
+              <a:path extrusionOk="0" h="120000" w="120000">
+                <a:moveTo>
+                  <a:pt x="0" y="0"/>
+                </a:moveTo>
+                <a:lnTo>
+                  <a:pt x="120000" y="0"/>
+                </a:lnTo>
+                <a:lnTo>
+                  <a:pt x="120000" y="120000"/>
+                </a:lnTo>
+                <a:lnTo>
+                  <a:pt x="0" y="120000"/>
+                </a:lnTo>
+                <a:close/>
+              </a:path>
+            </a:pathLst>
+          </a:custGeom>
+        </p:spPr>
+      </p:sp>
+      <p:sp>
+        <p:nvSpPr>
+          <p:cNvPr id="77" name="Google Shape;77;ge6e55a3e2b_0_0:notes"/>
+          <p:cNvSpPr txBox="1"/>
+          <p:nvPr>
+            <p:ph idx="1" type="body"/>
+          </p:nvPr>
+        </p:nvSpPr>
+        <p:spPr>
+          <a:xfrm>
+            <a:off x="685800" y="4343400"/>
+            <a:ext cx="5486400" cy="4114800"/>
+          </a:xfrm>
+          <a:prstGeom prst="rect">
+            <a:avLst/>
+          </a:prstGeom>
+        </p:spPr>
+        <p:txBody>
+          <a:bodyPr anchorCtr="0" anchor="t" bIns="91425" lIns="91425" spcFirstLastPara="1" rIns="91425" wrap="square" tIns="91425">
+            <a:noAutofit/>
+          </a:bodyPr>
+          <a:lstStyle/>
+          <a:p>
+            <a:pPr indent="0" lvl="0" marL="0" rtl="0" algn="l">
+              <a:spcBef>
+                <a:spcPts val="0"/>
+              </a:spcBef>
+              <a:spcAft>
+                <a:spcPts val="0"/>
+              </a:spcAft>
+              <a:buNone/>
+            </a:pPr>
+            <a:r>
+              <a:t/>
+            </a:r>
+            <a:endParaRPr/>
+          </a:p>
+        </p:txBody>
+      </p:sp>
+    </p:spTree>
+  </p:cSld>
+  <p:clrMapOvr>
+    <a:masterClrMapping/>
+  </p:clrMapOvr>
+</p:notes>
+</file>
+
+<file path=ppt/notesSlides/notesSlide5.xml><?xml version="1.0" encoding="utf-8"?>
+<p:notes xmlns:a="http://schemas.openxmlformats.org/drawingml/2006/main" xmlns:r="http://schemas.openxmlformats.org/officeDocument/2006/relationships" xmlns:mc="http://schemas.openxmlformats.org/markup-compatibility/2006" xmlns:mv="urn:schemas-microsoft-com:mac:vml" xmlns:p="http://schemas.openxmlformats.org/presentationml/2006/main" xmlns:c="http://schemas.openxmlformats.org/drawingml/2006/chart" xmlns:dgm="http://schemas.openxmlformats.org/drawingml/2006/diagram" xmlns:o="urn:schemas-microsoft-com:office:office" xmlns:v="urn:schemas-microsoft-com:vml" xmlns:pvml="urn:schemas-microsoft-com:office:powerpoint" xmlns:com="http://schemas.openxmlformats.org/drawingml/2006/compatibility" xmlns:p14="http://schemas.microsoft.com/office/powerpoint/2010/main" xmlns:p15="http://schemas.microsoft.com/office/powerpoint/2012/main" xmlns:ahyp="http://schemas.microsoft.com/office/drawing/2018/hyperlinkcolor" showMasterPhAnim="0" showMasterSp="0">
+  <p:cSld>
+    <p:spTree>
+      <p:nvGrpSpPr>
+        <p:cNvPr id="82" name="Shape 82"/>
+        <p:cNvGrpSpPr/>
+        <p:nvPr/>
+      </p:nvGrpSpPr>
+      <p:grpSpPr>
+        <a:xfrm>
+          <a:off x="0" y="0"/>
+          <a:ext cx="0" cy="0"/>
+          <a:chOff x="0" y="0"/>
+          <a:chExt cx="0" cy="0"/>
+        </a:xfrm>
+      </p:grpSpPr>
+      <p:sp>
+        <p:nvSpPr>
+          <p:cNvPr id="83" name="Google Shape;83;gb8642e21ee_0_52:notes"/>
+          <p:cNvSpPr/>
+          <p:nvPr>
+            <p:ph idx="2" type="sldImg"/>
+          </p:nvPr>
+        </p:nvSpPr>
+        <p:spPr>
+          <a:xfrm>
+            <a:off x="381300" y="685800"/>
+            <a:ext cx="6096000" cy="3429000"/>
+          </a:xfrm>
+          <a:custGeom>
+            <a:rect b="b" l="l" r="r" t="t"/>
+            <a:pathLst>
+              <a:path extrusionOk="0" h="120000" w="120000">
+                <a:moveTo>
+                  <a:pt x="0" y="0"/>
+                </a:moveTo>
+                <a:lnTo>
+                  <a:pt x="120000" y="0"/>
+                </a:lnTo>
+                <a:lnTo>
+                  <a:pt x="120000" y="120000"/>
+                </a:lnTo>
+                <a:lnTo>
+                  <a:pt x="0" y="120000"/>
+                </a:lnTo>
+                <a:close/>
+              </a:path>
+            </a:pathLst>
+          </a:custGeom>
+        </p:spPr>
+      </p:sp>
+      <p:sp>
+        <p:nvSpPr>
+          <p:cNvPr id="84" name="Google Shape;84;gb8642e21ee_0_52:notes"/>
+          <p:cNvSpPr txBox="1"/>
+          <p:nvPr>
+            <p:ph idx="1" type="body"/>
+          </p:nvPr>
+        </p:nvSpPr>
+        <p:spPr>
+          <a:xfrm>
+            <a:off x="685800" y="4343400"/>
+            <a:ext cx="5486400" cy="4114800"/>
+          </a:xfrm>
+          <a:prstGeom prst="rect">
+            <a:avLst/>
+          </a:prstGeom>
+        </p:spPr>
+        <p:txBody>
+          <a:bodyPr anchorCtr="0" anchor="t" bIns="91425" lIns="91425" spcFirstLastPara="1" rIns="91425" wrap="square" tIns="91425">
+            <a:noAutofit/>
+          </a:bodyPr>
+          <a:lstStyle/>
+          <a:p>
+            <a:pPr indent="0" lvl="0" marL="0" rtl="0" algn="l">
+              <a:spcBef>
+                <a:spcPts val="0"/>
+              </a:spcBef>
+              <a:spcAft>
+                <a:spcPts val="0"/>
+              </a:spcAft>
+              <a:buNone/>
+            </a:pPr>
+            <a:r>
+              <a:t/>
+            </a:r>
+            <a:endParaRPr/>
+          </a:p>
+        </p:txBody>
+      </p:sp>
+    </p:spTree>
+  </p:cSld>
+  <p:clrMapOvr>
+    <a:masterClrMapping/>
+  </p:clrMapOvr>
+</p:notes>
+</file>
+
+<file path=ppt/notesSlides/notesSlide6.xml><?xml version="1.0" encoding="utf-8"?>
+<p:notes xmlns:a="http://schemas.openxmlformats.org/drawingml/2006/main" xmlns:r="http://schemas.openxmlformats.org/officeDocument/2006/relationships" xmlns:mc="http://schemas.openxmlformats.org/markup-compatibility/2006" xmlns:mv="urn:schemas-microsoft-com:mac:vml" xmlns:p="http://schemas.openxmlformats.org/presentationml/2006/main" xmlns:c="http://schemas.openxmlformats.org/drawingml/2006/chart" xmlns:dgm="http://schemas.openxmlformats.org/drawingml/2006/diagram" xmlns:o="urn:schemas-microsoft-com:office:office" xmlns:v="urn:schemas-microsoft-com:vml" xmlns:pvml="urn:schemas-microsoft-com:office:powerpoint" xmlns:com="http://schemas.openxmlformats.org/drawingml/2006/compatibility" xmlns:p14="http://schemas.microsoft.com/office/powerpoint/2010/main" xmlns:p15="http://schemas.microsoft.com/office/powerpoint/2012/main" xmlns:ahyp="http://schemas.microsoft.com/office/drawing/2018/hyperlinkcolor" showMasterPhAnim="0" showMasterSp="0">
+  <p:cSld>
+    <p:spTree>
+      <p:nvGrpSpPr>
+        <p:cNvPr id="91" name="Shape 91"/>
+        <p:cNvGrpSpPr/>
+        <p:nvPr/>
+      </p:nvGrpSpPr>
+      <p:grpSpPr>
+        <a:xfrm>
+          <a:off x="0" y="0"/>
+          <a:ext cx="0" cy="0"/>
+          <a:chOff x="0" y="0"/>
+          <a:chExt cx="0" cy="0"/>
+        </a:xfrm>
+      </p:grpSpPr>
+      <p:sp>
+        <p:nvSpPr>
+          <p:cNvPr id="92" name="Google Shape;92;ge6e55a3e2b_1_0:notes"/>
+          <p:cNvSpPr/>
+          <p:nvPr>
+            <p:ph idx="2" type="sldImg"/>
+          </p:nvPr>
+        </p:nvSpPr>
+        <p:spPr>
+          <a:xfrm>
+            <a:off x="381300" y="685800"/>
+            <a:ext cx="6096000" cy="3429000"/>
+          </a:xfrm>
+          <a:custGeom>
+            <a:rect b="b" l="l" r="r" t="t"/>
+            <a:pathLst>
+              <a:path extrusionOk="0" h="120000" w="120000">
+                <a:moveTo>
+                  <a:pt x="0" y="0"/>
+                </a:moveTo>
+                <a:lnTo>
+                  <a:pt x="120000" y="0"/>
+                </a:lnTo>
+                <a:lnTo>
+                  <a:pt x="120000" y="120000"/>
+                </a:lnTo>
+                <a:lnTo>
+                  <a:pt x="0" y="120000"/>
+                </a:lnTo>
+                <a:close/>
+              </a:path>
+            </a:pathLst>
+          </a:custGeom>
+        </p:spPr>
+      </p:sp>
+      <p:sp>
+        <p:nvSpPr>
+          <p:cNvPr id="93" name="Google Shape;93;ge6e55a3e2b_1_0:notes"/>
           <p:cNvSpPr txBox="1"/>
           <p:nvPr>
             <p:ph idx="1" type="body"/>
@@ -6233,9 +6533,17 @@
                   <a:schemeClr val="dk1"/>
                 </a:solidFill>
               </a:rPr>
-              <a:t>Envío de archivos</a:t>
+              <a:t>Envío de archivos </a:t>
             </a:r>
-            <a:endParaRPr sz="1300">
+            <a:r>
+              <a:rPr lang="es" sz="1100">
+                <a:solidFill>
+                  <a:schemeClr val="dk1"/>
+                </a:solidFill>
+              </a:rPr>
+              <a:t>(teorético, necesita un servidor compatible)</a:t>
+            </a:r>
+            <a:endParaRPr sz="1100">
               <a:solidFill>
                 <a:schemeClr val="dk1"/>
               </a:solidFill>
@@ -6296,9 +6604,523 @@
           <a:chExt cx="0" cy="0"/>
         </a:xfrm>
       </p:grpSpPr>
+      <p:pic>
+        <p:nvPicPr>
+          <p:cNvPr id="67" name="Google Shape;67;p15"/>
+          <p:cNvPicPr preferRelativeResize="0"/>
+          <p:nvPr/>
+        </p:nvPicPr>
+        <p:blipFill>
+          <a:blip r:embed="rId3">
+            <a:alphaModFix/>
+          </a:blip>
+          <a:stretch>
+            <a:fillRect/>
+          </a:stretch>
+        </p:blipFill>
+        <p:spPr>
+          <a:xfrm>
+            <a:off x="107550" y="115025"/>
+            <a:ext cx="3000375" cy="1362075"/>
+          </a:xfrm>
+          <a:prstGeom prst="rect">
+            <a:avLst/>
+          </a:prstGeom>
+          <a:noFill/>
+          <a:ln>
+            <a:noFill/>
+          </a:ln>
+        </p:spPr>
+      </p:pic>
+      <p:pic>
+        <p:nvPicPr>
+          <p:cNvPr id="68" name="Google Shape;68;p15"/>
+          <p:cNvPicPr preferRelativeResize="0"/>
+          <p:nvPr/>
+        </p:nvPicPr>
+        <p:blipFill>
+          <a:blip r:embed="rId4">
+            <a:alphaModFix/>
+          </a:blip>
+          <a:stretch>
+            <a:fillRect/>
+          </a:stretch>
+        </p:blipFill>
+        <p:spPr>
+          <a:xfrm>
+            <a:off x="152400" y="1629500"/>
+            <a:ext cx="5919847" cy="3361600"/>
+          </a:xfrm>
+          <a:prstGeom prst="rect">
+            <a:avLst/>
+          </a:prstGeom>
+          <a:noFill/>
+          <a:ln>
+            <a:noFill/>
+          </a:ln>
+        </p:spPr>
+      </p:pic>
+      <p:pic>
+        <p:nvPicPr>
+          <p:cNvPr id="69" name="Google Shape;69;p15"/>
+          <p:cNvPicPr preferRelativeResize="0"/>
+          <p:nvPr/>
+        </p:nvPicPr>
+        <p:blipFill>
+          <a:blip r:embed="rId5">
+            <a:alphaModFix/>
+          </a:blip>
+          <a:stretch>
+            <a:fillRect/>
+          </a:stretch>
+        </p:blipFill>
+        <p:spPr>
+          <a:xfrm>
+            <a:off x="2441772" y="1396600"/>
+            <a:ext cx="2766953" cy="232908"/>
+          </a:xfrm>
+          <a:prstGeom prst="rect">
+            <a:avLst/>
+          </a:prstGeom>
+          <a:noFill/>
+          <a:ln>
+            <a:noFill/>
+          </a:ln>
+        </p:spPr>
+      </p:pic>
+      <p:pic>
+        <p:nvPicPr>
+          <p:cNvPr id="70" name="Google Shape;70;p15"/>
+          <p:cNvPicPr preferRelativeResize="0"/>
+          <p:nvPr/>
+        </p:nvPicPr>
+        <p:blipFill>
+          <a:blip r:embed="rId6">
+            <a:alphaModFix/>
+          </a:blip>
+          <a:stretch>
+            <a:fillRect/>
+          </a:stretch>
+        </p:blipFill>
+        <p:spPr>
+          <a:xfrm>
+            <a:off x="3245375" y="115025"/>
+            <a:ext cx="5019675" cy="495300"/>
+          </a:xfrm>
+          <a:prstGeom prst="rect">
+            <a:avLst/>
+          </a:prstGeom>
+          <a:noFill/>
+          <a:ln>
+            <a:noFill/>
+          </a:ln>
+        </p:spPr>
+      </p:pic>
+      <p:pic>
+        <p:nvPicPr>
+          <p:cNvPr id="71" name="Google Shape;71;p15"/>
+          <p:cNvPicPr preferRelativeResize="0"/>
+          <p:nvPr/>
+        </p:nvPicPr>
+        <p:blipFill>
+          <a:blip r:embed="rId7">
+            <a:alphaModFix/>
+          </a:blip>
+          <a:stretch>
+            <a:fillRect/>
+          </a:stretch>
+        </p:blipFill>
+        <p:spPr>
+          <a:xfrm>
+            <a:off x="5373200" y="695050"/>
+            <a:ext cx="3718125" cy="1102616"/>
+          </a:xfrm>
+          <a:prstGeom prst="rect">
+            <a:avLst/>
+          </a:prstGeom>
+          <a:noFill/>
+          <a:ln>
+            <a:noFill/>
+          </a:ln>
+        </p:spPr>
+      </p:pic>
+      <p:pic>
+        <p:nvPicPr>
+          <p:cNvPr id="72" name="Google Shape;72;p15"/>
+          <p:cNvPicPr preferRelativeResize="0"/>
+          <p:nvPr/>
+        </p:nvPicPr>
+        <p:blipFill>
+          <a:blip r:embed="rId8">
+            <a:alphaModFix/>
+          </a:blip>
+          <a:stretch>
+            <a:fillRect/>
+          </a:stretch>
+        </p:blipFill>
+        <p:spPr>
+          <a:xfrm>
+            <a:off x="6197622" y="2235341"/>
+            <a:ext cx="2766953" cy="2236547"/>
+          </a:xfrm>
+          <a:prstGeom prst="rect">
+            <a:avLst/>
+          </a:prstGeom>
+          <a:noFill/>
+          <a:ln>
+            <a:noFill/>
+          </a:ln>
+        </p:spPr>
+      </p:pic>
+      <p:pic>
+        <p:nvPicPr>
+          <p:cNvPr id="73" name="Google Shape;73;p15"/>
+          <p:cNvPicPr preferRelativeResize="0"/>
+          <p:nvPr/>
+        </p:nvPicPr>
+        <p:blipFill>
+          <a:blip r:embed="rId9">
+            <a:alphaModFix/>
+          </a:blip>
+          <a:stretch>
+            <a:fillRect/>
+          </a:stretch>
+        </p:blipFill>
+        <p:spPr>
+          <a:xfrm>
+            <a:off x="7550775" y="4048399"/>
+            <a:ext cx="1413800" cy="877725"/>
+          </a:xfrm>
+          <a:prstGeom prst="rect">
+            <a:avLst/>
+          </a:prstGeom>
+          <a:noFill/>
+          <a:ln>
+            <a:noFill/>
+          </a:ln>
+        </p:spPr>
+      </p:pic>
+      <p:pic>
+        <p:nvPicPr>
+          <p:cNvPr id="74" name="Google Shape;74;p15"/>
+          <p:cNvPicPr preferRelativeResize="0"/>
+          <p:nvPr/>
+        </p:nvPicPr>
+        <p:blipFill>
+          <a:blip r:embed="rId10">
+            <a:alphaModFix/>
+          </a:blip>
+          <a:stretch>
+            <a:fillRect/>
+          </a:stretch>
+        </p:blipFill>
+        <p:spPr>
+          <a:xfrm>
+            <a:off x="5177103" y="1828175"/>
+            <a:ext cx="1020515" cy="1102625"/>
+          </a:xfrm>
+          <a:prstGeom prst="rect">
+            <a:avLst/>
+          </a:prstGeom>
+          <a:noFill/>
+          <a:ln>
+            <a:noFill/>
+          </a:ln>
+        </p:spPr>
+      </p:pic>
+    </p:spTree>
+  </p:cSld>
+  <p:clrMapOvr>
+    <a:masterClrMapping/>
+  </p:clrMapOvr>
+</p:sld>
+</file>
+
+<file path=ppt/slides/slide4.xml><?xml version="1.0" encoding="utf-8"?>
+<p:sld xmlns:a="http://schemas.openxmlformats.org/drawingml/2006/main" xmlns:r="http://schemas.openxmlformats.org/officeDocument/2006/relationships" xmlns:mc="http://schemas.openxmlformats.org/markup-compatibility/2006" xmlns:mv="urn:schemas-microsoft-com:mac:vml" xmlns:p="http://schemas.openxmlformats.org/presentationml/2006/main" xmlns:c="http://schemas.openxmlformats.org/drawingml/2006/chart" xmlns:dgm="http://schemas.openxmlformats.org/drawingml/2006/diagram" xmlns:o="urn:schemas-microsoft-com:office:office" xmlns:v="urn:schemas-microsoft-com:vml" xmlns:pvml="urn:schemas-microsoft-com:office:powerpoint" xmlns:com="http://schemas.openxmlformats.org/drawingml/2006/compatibility" xmlns:p14="http://schemas.microsoft.com/office/powerpoint/2010/main" xmlns:p15="http://schemas.microsoft.com/office/powerpoint/2012/main" xmlns:ahyp="http://schemas.microsoft.com/office/drawing/2018/hyperlinkcolor">
+  <p:cSld>
+    <p:spTree>
+      <p:nvGrpSpPr>
+        <p:cNvPr id="78" name="Shape 78"/>
+        <p:cNvGrpSpPr/>
+        <p:nvPr/>
+      </p:nvGrpSpPr>
+      <p:grpSpPr>
+        <a:xfrm>
+          <a:off x="0" y="0"/>
+          <a:ext cx="0" cy="0"/>
+          <a:chOff x="0" y="0"/>
+          <a:chExt cx="0" cy="0"/>
+        </a:xfrm>
+      </p:grpSpPr>
       <p:sp>
         <p:nvSpPr>
-          <p:cNvPr id="67" name="Google Shape;67;p15"/>
+          <p:cNvPr id="79" name="Google Shape;79;p16"/>
+          <p:cNvSpPr txBox="1"/>
+          <p:nvPr>
+            <p:ph type="title"/>
+          </p:nvPr>
+        </p:nvSpPr>
+        <p:spPr>
+          <a:xfrm>
+            <a:off x="311700" y="445025"/>
+            <a:ext cx="8520600" cy="572700"/>
+          </a:xfrm>
+          <a:prstGeom prst="rect">
+            <a:avLst/>
+          </a:prstGeom>
+        </p:spPr>
+        <p:txBody>
+          <a:bodyPr anchorCtr="0" anchor="t" bIns="91425" lIns="91425" spcFirstLastPara="1" rIns="91425" wrap="square" tIns="91425">
+            <a:normAutofit fontScale="90000"/>
+          </a:bodyPr>
+          <a:lstStyle/>
+          <a:p>
+            <a:pPr indent="0" lvl="0" marL="0" rtl="0" algn="l">
+              <a:spcBef>
+                <a:spcPts val="0"/>
+              </a:spcBef>
+              <a:spcAft>
+                <a:spcPts val="0"/>
+              </a:spcAft>
+              <a:buNone/>
+            </a:pPr>
+            <a:r>
+              <a:rPr lang="es">
+                <a:solidFill>
+                  <a:srgbClr val="00FF00"/>
+                </a:solidFill>
+              </a:rPr>
+              <a:t>Dificultades</a:t>
+            </a:r>
+            <a:endParaRPr>
+              <a:solidFill>
+                <a:srgbClr val="00FF00"/>
+              </a:solidFill>
+            </a:endParaRPr>
+          </a:p>
+        </p:txBody>
+      </p:sp>
+      <p:sp>
+        <p:nvSpPr>
+          <p:cNvPr id="80" name="Google Shape;80;p16"/>
+          <p:cNvSpPr txBox="1"/>
+          <p:nvPr>
+            <p:ph idx="1" type="body"/>
+          </p:nvPr>
+        </p:nvSpPr>
+        <p:spPr>
+          <a:xfrm>
+            <a:off x="311700" y="1152475"/>
+            <a:ext cx="8367900" cy="3416400"/>
+          </a:xfrm>
+          <a:prstGeom prst="rect">
+            <a:avLst/>
+          </a:prstGeom>
+        </p:spPr>
+        <p:txBody>
+          <a:bodyPr anchorCtr="0" anchor="t" bIns="91425" lIns="91425" spcFirstLastPara="1" rIns="91425" wrap="square" tIns="91425">
+            <a:normAutofit/>
+          </a:bodyPr>
+          <a:lstStyle/>
+          <a:p>
+            <a:pPr indent="-342900" lvl="0" marL="457200" rtl="0" algn="just">
+              <a:spcBef>
+                <a:spcPts val="0"/>
+              </a:spcBef>
+              <a:spcAft>
+                <a:spcPts val="0"/>
+              </a:spcAft>
+              <a:buClr>
+                <a:schemeClr val="dk1"/>
+              </a:buClr>
+              <a:buSzPts val="1800"/>
+              <a:buChar char="●"/>
+            </a:pPr>
+            <a:r>
+              <a:rPr lang="es">
+                <a:solidFill>
+                  <a:schemeClr val="dk1"/>
+                </a:solidFill>
+              </a:rPr>
+              <a:t>Slixmpp si bien tiene documentación, es muy pobre en cuanto a las funciones disponibles en Python</a:t>
+            </a:r>
+            <a:endParaRPr>
+              <a:solidFill>
+                <a:schemeClr val="dk1"/>
+              </a:solidFill>
+            </a:endParaRPr>
+          </a:p>
+          <a:p>
+            <a:pPr indent="-317500" lvl="1" marL="914400" rtl="0" algn="just">
+              <a:spcBef>
+                <a:spcPts val="0"/>
+              </a:spcBef>
+              <a:spcAft>
+                <a:spcPts val="0"/>
+              </a:spcAft>
+              <a:buSzPts val="1400"/>
+              <a:buChar char="○"/>
+            </a:pPr>
+            <a:r>
+              <a:rPr lang="es"/>
+              <a:t>No se indica claramente los tipos de datos que se aceptan </a:t>
+            </a:r>
+            <a:endParaRPr/>
+          </a:p>
+          <a:p>
+            <a:pPr indent="-317500" lvl="1" marL="914400" rtl="0" algn="just">
+              <a:spcBef>
+                <a:spcPts val="0"/>
+              </a:spcBef>
+              <a:spcAft>
+                <a:spcPts val="0"/>
+              </a:spcAft>
+              <a:buSzPts val="1400"/>
+              <a:buChar char="○"/>
+            </a:pPr>
+            <a:r>
+              <a:rPr lang="es"/>
+              <a:t>Tampoco se muestran todas las opciones</a:t>
+            </a:r>
+            <a:endParaRPr/>
+          </a:p>
+          <a:p>
+            <a:pPr indent="-317500" lvl="1" marL="914400" rtl="0" algn="just">
+              <a:spcBef>
+                <a:spcPts val="0"/>
+              </a:spcBef>
+              <a:spcAft>
+                <a:spcPts val="0"/>
+              </a:spcAft>
+              <a:buSzPts val="1400"/>
+              <a:buChar char="○"/>
+            </a:pPr>
+            <a:r>
+              <a:rPr lang="es"/>
+              <a:t>Se debe leer en muchas fuentes para poder entender mejor lo que se puede hacer</a:t>
+            </a:r>
+            <a:endParaRPr/>
+          </a:p>
+          <a:p>
+            <a:pPr indent="-342900" lvl="0" marL="457200" rtl="0" algn="just">
+              <a:spcBef>
+                <a:spcPts val="0"/>
+              </a:spcBef>
+              <a:spcAft>
+                <a:spcPts val="0"/>
+              </a:spcAft>
+              <a:buClr>
+                <a:schemeClr val="dk1"/>
+              </a:buClr>
+              <a:buSzPts val="1800"/>
+              <a:buChar char="●"/>
+            </a:pPr>
+            <a:r>
+              <a:rPr lang="es">
+                <a:solidFill>
+                  <a:schemeClr val="dk1"/>
+                </a:solidFill>
+              </a:rPr>
+              <a:t>Encontrar ejemplos de relevancia fue difícil al inicio del proyecto</a:t>
+            </a:r>
+            <a:endParaRPr>
+              <a:solidFill>
+                <a:schemeClr val="dk1"/>
+              </a:solidFill>
+            </a:endParaRPr>
+          </a:p>
+          <a:p>
+            <a:pPr indent="-317500" lvl="1" marL="914400" rtl="0" algn="just">
+              <a:spcBef>
+                <a:spcPts val="0"/>
+              </a:spcBef>
+              <a:spcAft>
+                <a:spcPts val="0"/>
+              </a:spcAft>
+              <a:buSzPts val="1400"/>
+              <a:buChar char="○"/>
+            </a:pPr>
+            <a:r>
+              <a:rPr lang="es"/>
+              <a:t>Si bien se contaba con ejemplos como los bots vistos en clase y presentes en el libro de recursos, habían elementos que no quedaban completamente claros en la documentación y no habían ejemplos directamente en ella. </a:t>
+            </a:r>
+            <a:endParaRPr/>
+          </a:p>
+          <a:p>
+            <a:pPr indent="-317500" lvl="1" marL="914400" rtl="0" algn="just">
+              <a:spcBef>
+                <a:spcPts val="0"/>
+              </a:spcBef>
+              <a:spcAft>
+                <a:spcPts val="0"/>
+              </a:spcAft>
+              <a:buSzPts val="1400"/>
+              <a:buChar char="○"/>
+            </a:pPr>
+            <a:r>
+              <a:rPr lang="es"/>
+              <a:t>Al utilizar el repositorio oficial de slixmpp fue más sencillo encontrarlos. </a:t>
+            </a:r>
+            <a:endParaRPr/>
+          </a:p>
+        </p:txBody>
+      </p:sp>
+      <p:pic>
+        <p:nvPicPr>
+          <p:cNvPr descr="Download Code Transparent Binary Picture Black And White Stock - Binary  Code Transparent - Full Size PNG Image - PNGkit" id="81" name="Google Shape;81;p16"/>
+          <p:cNvPicPr preferRelativeResize="0"/>
+          <p:nvPr/>
+        </p:nvPicPr>
+        <p:blipFill rotWithShape="1">
+          <a:blip r:embed="rId3">
+            <a:alphaModFix amt="89000"/>
+          </a:blip>
+          <a:srcRect b="0" l="50132" r="0" t="0"/>
+          <a:stretch/>
+        </p:blipFill>
+        <p:spPr>
+          <a:xfrm>
+            <a:off x="7034950" y="3543700"/>
+            <a:ext cx="3491100" cy="3121200"/>
+          </a:xfrm>
+          <a:prstGeom prst="ellipse">
+            <a:avLst/>
+          </a:prstGeom>
+          <a:noFill/>
+          <a:ln>
+            <a:noFill/>
+          </a:ln>
+        </p:spPr>
+      </p:pic>
+    </p:spTree>
+  </p:cSld>
+  <p:clrMapOvr>
+    <a:masterClrMapping/>
+  </p:clrMapOvr>
+</p:sld>
+</file>
+
+<file path=ppt/slides/slide5.xml><?xml version="1.0" encoding="utf-8"?>
+<p:sld xmlns:a="http://schemas.openxmlformats.org/drawingml/2006/main" xmlns:r="http://schemas.openxmlformats.org/officeDocument/2006/relationships" xmlns:mc="http://schemas.openxmlformats.org/markup-compatibility/2006" xmlns:mv="urn:schemas-microsoft-com:mac:vml" xmlns:p="http://schemas.openxmlformats.org/presentationml/2006/main" xmlns:c="http://schemas.openxmlformats.org/drawingml/2006/chart" xmlns:dgm="http://schemas.openxmlformats.org/drawingml/2006/diagram" xmlns:o="urn:schemas-microsoft-com:office:office" xmlns:v="urn:schemas-microsoft-com:vml" xmlns:pvml="urn:schemas-microsoft-com:office:powerpoint" xmlns:com="http://schemas.openxmlformats.org/drawingml/2006/compatibility" xmlns:p14="http://schemas.microsoft.com/office/powerpoint/2010/main" xmlns:p15="http://schemas.microsoft.com/office/powerpoint/2012/main" xmlns:ahyp="http://schemas.microsoft.com/office/drawing/2018/hyperlinkcolor">
+  <p:cSld>
+    <p:spTree>
+      <p:nvGrpSpPr>
+        <p:cNvPr id="85" name="Shape 85"/>
+        <p:cNvGrpSpPr/>
+        <p:nvPr/>
+      </p:nvGrpSpPr>
+      <p:grpSpPr>
+        <a:xfrm>
+          <a:off x="0" y="0"/>
+          <a:ext cx="0" cy="0"/>
+          <a:chOff x="0" y="0"/>
+          <a:chExt cx="0" cy="0"/>
+        </a:xfrm>
+      </p:grpSpPr>
+      <p:sp>
+        <p:nvSpPr>
+          <p:cNvPr id="86" name="Google Shape;86;p17"/>
           <p:cNvSpPr txBox="1"/>
           <p:nvPr>
             <p:ph type="title"/>
@@ -6350,7 +7172,7 @@
       </p:sp>
       <p:sp>
         <p:nvSpPr>
-          <p:cNvPr id="68" name="Google Shape;68;p15"/>
+          <p:cNvPr id="87" name="Google Shape;87;p17"/>
           <p:cNvSpPr txBox="1"/>
           <p:nvPr>
             <p:ph idx="1" type="body"/>
@@ -6359,7 +7181,7 @@
         <p:spPr>
           <a:xfrm>
             <a:off x="311700" y="1277200"/>
-            <a:ext cx="4734600" cy="1419300"/>
+            <a:ext cx="4734600" cy="3253200"/>
           </a:xfrm>
           <a:prstGeom prst="rect">
             <a:avLst/>
@@ -6371,7 +7193,7 @@
           </a:bodyPr>
           <a:lstStyle/>
           <a:p>
-            <a:pPr indent="-342900" lvl="0" marL="457200" rtl="0" algn="l">
+            <a:pPr indent="-342900" lvl="0" marL="457200" rtl="0" algn="just">
               <a:spcBef>
                 <a:spcPts val="0"/>
               </a:spcBef>
@@ -6407,7 +7229,7 @@
             </a:endParaRPr>
           </a:p>
           <a:p>
-            <a:pPr indent="-342900" lvl="0" marL="457200" rtl="0" algn="l">
+            <a:pPr indent="-342900" lvl="0" marL="457200" rtl="0" algn="just">
               <a:spcBef>
                 <a:spcPts val="0"/>
               </a:spcBef>
@@ -6435,7 +7257,41 @@
             </a:endParaRPr>
           </a:p>
           <a:p>
-            <a:pPr indent="-342900" lvl="0" marL="457200" rtl="0" algn="l">
+            <a:pPr indent="-317500" lvl="1" marL="914400" rtl="0" algn="just">
+              <a:spcBef>
+                <a:spcPts val="0"/>
+              </a:spcBef>
+              <a:spcAft>
+                <a:spcPts val="0"/>
+              </a:spcAft>
+              <a:buSzPts val="1400"/>
+              <a:buChar char="○"/>
+            </a:pPr>
+            <a:r>
+              <a:rPr lang="es"/>
+              <a:t>Es de mucha utilidad buscar en foros, no solamente StackOverflow</a:t>
+            </a:r>
+            <a:endParaRPr/>
+          </a:p>
+          <a:p>
+            <a:pPr indent="-317500" lvl="1" marL="914400" rtl="0" algn="just">
+              <a:spcBef>
+                <a:spcPts val="0"/>
+              </a:spcBef>
+              <a:spcAft>
+                <a:spcPts val="0"/>
+              </a:spcAft>
+              <a:buSzPts val="1400"/>
+              <a:buChar char="○"/>
+            </a:pPr>
+            <a:r>
+              <a:rPr lang="es"/>
+              <a:t>El repositorio oficial de módulos como slixmpp contiene ejemplos de gran utilidad</a:t>
+            </a:r>
+            <a:endParaRPr/>
+          </a:p>
+          <a:p>
+            <a:pPr indent="-342900" lvl="0" marL="457200" rtl="0" algn="just">
               <a:spcBef>
                 <a:spcPts val="0"/>
               </a:spcBef>
@@ -6462,11 +7318,45 @@
               </a:solidFill>
             </a:endParaRPr>
           </a:p>
+          <a:p>
+            <a:pPr indent="-317500" lvl="1" marL="914400" rtl="0" algn="just">
+              <a:spcBef>
+                <a:spcPts val="0"/>
+              </a:spcBef>
+              <a:spcAft>
+                <a:spcPts val="0"/>
+              </a:spcAft>
+              <a:buSzPts val="1400"/>
+              <a:buChar char="○"/>
+            </a:pPr>
+            <a:r>
+              <a:rPr lang="es"/>
+              <a:t>Es muy importante discutir con distintas personas la mejor manera de implementar algo</a:t>
+            </a:r>
+            <a:endParaRPr/>
+          </a:p>
+          <a:p>
+            <a:pPr indent="-317500" lvl="1" marL="914400" rtl="0" algn="just">
+              <a:spcBef>
+                <a:spcPts val="0"/>
+              </a:spcBef>
+              <a:spcAft>
+                <a:spcPts val="0"/>
+              </a:spcAft>
+              <a:buSzPts val="1400"/>
+              <a:buChar char="○"/>
+            </a:pPr>
+            <a:r>
+              <a:rPr lang="es"/>
+              <a:t>Se pueden captar nuevas ideas y recursos</a:t>
+            </a:r>
+            <a:endParaRPr/>
+          </a:p>
         </p:txBody>
       </p:sp>
       <p:pic>
         <p:nvPicPr>
-          <p:cNvPr descr="Archivo:Up green arrow.png - Wikipedia, la enciclopedia libre" id="69" name="Google Shape;69;p15"/>
+          <p:cNvPr descr="Archivo:Up green arrow.png - Wikipedia, la enciclopedia libre" id="88" name="Google Shape;88;p17"/>
           <p:cNvPicPr preferRelativeResize="0"/>
           <p:nvPr/>
         </p:nvPicPr>
@@ -6494,7 +7384,7 @@
       </p:pic>
       <p:pic>
         <p:nvPicPr>
-          <p:cNvPr descr="Archivo:Up green arrow.png - Wikipedia, la enciclopedia libre" id="70" name="Google Shape;70;p15"/>
+          <p:cNvPr descr="Archivo:Up green arrow.png - Wikipedia, la enciclopedia libre" id="89" name="Google Shape;89;p17"/>
           <p:cNvPicPr preferRelativeResize="0"/>
           <p:nvPr/>
         </p:nvPicPr>
@@ -6521,7 +7411,7 @@
       </p:pic>
       <p:pic>
         <p:nvPicPr>
-          <p:cNvPr descr="Archivo:Up green arrow.png - Wikipedia, la enciclopedia libre" id="71" name="Google Shape;71;p15"/>
+          <p:cNvPr descr="Archivo:Up green arrow.png - Wikipedia, la enciclopedia libre" id="90" name="Google Shape;90;p17"/>
           <p:cNvPicPr preferRelativeResize="0"/>
           <p:nvPr/>
         </p:nvPicPr>
@@ -6547,6 +7437,178 @@
           </a:ln>
         </p:spPr>
       </p:pic>
+    </p:spTree>
+  </p:cSld>
+  <p:clrMapOvr>
+    <a:masterClrMapping/>
+  </p:clrMapOvr>
+</p:sld>
+</file>
+
+<file path=ppt/slides/slide6.xml><?xml version="1.0" encoding="utf-8"?>
+<p:sld xmlns:a="http://schemas.openxmlformats.org/drawingml/2006/main" xmlns:r="http://schemas.openxmlformats.org/officeDocument/2006/relationships" xmlns:mc="http://schemas.openxmlformats.org/markup-compatibility/2006" xmlns:mv="urn:schemas-microsoft-com:mac:vml" xmlns:p="http://schemas.openxmlformats.org/presentationml/2006/main" xmlns:c="http://schemas.openxmlformats.org/drawingml/2006/chart" xmlns:dgm="http://schemas.openxmlformats.org/drawingml/2006/diagram" xmlns:o="urn:schemas-microsoft-com:office:office" xmlns:v="urn:schemas-microsoft-com:vml" xmlns:pvml="urn:schemas-microsoft-com:office:powerpoint" xmlns:com="http://schemas.openxmlformats.org/drawingml/2006/compatibility" xmlns:p14="http://schemas.microsoft.com/office/powerpoint/2010/main" xmlns:p15="http://schemas.microsoft.com/office/powerpoint/2012/main" xmlns:ahyp="http://schemas.microsoft.com/office/drawing/2018/hyperlinkcolor">
+  <p:cSld>
+    <p:spTree>
+      <p:nvGrpSpPr>
+        <p:cNvPr id="94" name="Shape 94"/>
+        <p:cNvGrpSpPr/>
+        <p:nvPr/>
+      </p:nvGrpSpPr>
+      <p:grpSpPr>
+        <a:xfrm>
+          <a:off x="0" y="0"/>
+          <a:ext cx="0" cy="0"/>
+          <a:chOff x="0" y="0"/>
+          <a:chExt cx="0" cy="0"/>
+        </a:xfrm>
+      </p:grpSpPr>
+      <p:sp>
+        <p:nvSpPr>
+          <p:cNvPr id="95" name="Google Shape;95;p18"/>
+          <p:cNvSpPr txBox="1"/>
+          <p:nvPr>
+            <p:ph type="title"/>
+          </p:nvPr>
+        </p:nvSpPr>
+        <p:spPr>
+          <a:xfrm>
+            <a:off x="311700" y="445025"/>
+            <a:ext cx="8520600" cy="572700"/>
+          </a:xfrm>
+          <a:prstGeom prst="rect">
+            <a:avLst/>
+          </a:prstGeom>
+        </p:spPr>
+        <p:txBody>
+          <a:bodyPr anchorCtr="0" anchor="t" bIns="91425" lIns="91425" spcFirstLastPara="1" rIns="91425" wrap="square" tIns="91425">
+            <a:normAutofit fontScale="90000"/>
+          </a:bodyPr>
+          <a:lstStyle/>
+          <a:p>
+            <a:pPr indent="0" lvl="0" marL="0" rtl="0" algn="l">
+              <a:spcBef>
+                <a:spcPts val="0"/>
+              </a:spcBef>
+              <a:spcAft>
+                <a:spcPts val="0"/>
+              </a:spcAft>
+              <a:buNone/>
+            </a:pPr>
+            <a:r>
+              <a:rPr lang="es">
+                <a:solidFill>
+                  <a:srgbClr val="00FF00"/>
+                </a:solidFill>
+              </a:rPr>
+              <a:t>Conclusiones</a:t>
+            </a:r>
+            <a:endParaRPr>
+              <a:solidFill>
+                <a:srgbClr val="00FF00"/>
+              </a:solidFill>
+            </a:endParaRPr>
+          </a:p>
+        </p:txBody>
+      </p:sp>
+      <p:sp>
+        <p:nvSpPr>
+          <p:cNvPr id="96" name="Google Shape;96;p18"/>
+          <p:cNvSpPr txBox="1"/>
+          <p:nvPr>
+            <p:ph idx="1" type="body"/>
+          </p:nvPr>
+        </p:nvSpPr>
+        <p:spPr>
+          <a:xfrm>
+            <a:off x="311700" y="1152475"/>
+            <a:ext cx="7097100" cy="3416400"/>
+          </a:xfrm>
+          <a:prstGeom prst="rect">
+            <a:avLst/>
+          </a:prstGeom>
+        </p:spPr>
+        <p:txBody>
+          <a:bodyPr anchorCtr="0" anchor="t" bIns="91425" lIns="91425" spcFirstLastPara="1" rIns="91425" wrap="square" tIns="91425">
+            <a:normAutofit/>
+          </a:bodyPr>
+          <a:lstStyle/>
+          <a:p>
+            <a:pPr indent="-336550" lvl="0" marL="457200" rtl="0" algn="l">
+              <a:spcBef>
+                <a:spcPts val="0"/>
+              </a:spcBef>
+              <a:spcAft>
+                <a:spcPts val="0"/>
+              </a:spcAft>
+              <a:buClr>
+                <a:schemeClr val="dk1"/>
+              </a:buClr>
+              <a:buSzPts val="1700"/>
+              <a:buChar char="●"/>
+            </a:pPr>
+            <a:r>
+              <a:rPr lang="es" sz="1700">
+                <a:solidFill>
+                  <a:schemeClr val="dk1"/>
+                </a:solidFill>
+              </a:rPr>
+              <a:t>Se logró implementar un cliente que utiliza el protocolo XMPP para comunicarse a pesar de no contar con experiencia previa con este protocolo y el módulo de slixmpp en Python. </a:t>
+            </a:r>
+            <a:endParaRPr sz="1700">
+              <a:solidFill>
+                <a:schemeClr val="dk1"/>
+              </a:solidFill>
+            </a:endParaRPr>
+          </a:p>
+          <a:p>
+            <a:pPr indent="0" lvl="0" marL="0" rtl="0" algn="l">
+              <a:spcBef>
+                <a:spcPts val="1200"/>
+              </a:spcBef>
+              <a:spcAft>
+                <a:spcPts val="0"/>
+              </a:spcAft>
+              <a:buNone/>
+            </a:pPr>
+            <a:r>
+              <a:t/>
+            </a:r>
+            <a:endParaRPr sz="1700">
+              <a:solidFill>
+                <a:schemeClr val="dk1"/>
+              </a:solidFill>
+            </a:endParaRPr>
+          </a:p>
+          <a:p>
+            <a:pPr indent="-336550" lvl="0" marL="457200" rtl="0" algn="l">
+              <a:spcBef>
+                <a:spcPts val="1200"/>
+              </a:spcBef>
+              <a:spcAft>
+                <a:spcPts val="0"/>
+              </a:spcAft>
+              <a:buClr>
+                <a:schemeClr val="dk1"/>
+              </a:buClr>
+              <a:buSzPts val="1700"/>
+              <a:buChar char="●"/>
+            </a:pPr>
+            <a:r>
+              <a:rPr lang="es" sz="1700">
+                <a:solidFill>
+                  <a:schemeClr val="dk1"/>
+                </a:solidFill>
+              </a:rPr>
+              <a:t>En un futuro se podrá buscar repositorios como ejemplos como los que se encuentran en el repositorio de slixmpp para obtener una buena base de módulos no conocidos o en los que se tiene poca experiencia.</a:t>
+            </a:r>
+            <a:endParaRPr sz="1700">
+              <a:solidFill>
+                <a:schemeClr val="dk1"/>
+              </a:solidFill>
+            </a:endParaRPr>
+          </a:p>
+        </p:txBody>
+      </p:sp>
     </p:spTree>
   </p:cSld>
   <p:clrMapOvr>
